--- a/Space Battle.pptx
+++ b/Space Battle.pptx
@@ -416,7 +416,7 @@
           <a:p>
             <a:fld id="{EC17BCC6-A1D7-4A8D-B15F-19B662AE7190}" type="datetimeFigureOut">
               <a:rPr lang="ru-RU" smtClean="0"/>
-              <a:t>08.01.2022</a:t>
+              <a:t>11.01.2022</a:t>
             </a:fld>
             <a:endParaRPr lang="ru-RU"/>
           </a:p>
@@ -601,7 +601,7 @@
           <a:p>
             <a:fld id="{EC17BCC6-A1D7-4A8D-B15F-19B662AE7190}" type="datetimeFigureOut">
               <a:rPr lang="ru-RU" smtClean="0"/>
-              <a:t>08.01.2022</a:t>
+              <a:t>11.01.2022</a:t>
             </a:fld>
             <a:endParaRPr lang="ru-RU"/>
           </a:p>
@@ -786,7 +786,7 @@
           <a:p>
             <a:fld id="{EC17BCC6-A1D7-4A8D-B15F-19B662AE7190}" type="datetimeFigureOut">
               <a:rPr lang="ru-RU" smtClean="0"/>
-              <a:t>08.01.2022</a:t>
+              <a:t>11.01.2022</a:t>
             </a:fld>
             <a:endParaRPr lang="ru-RU"/>
           </a:p>
@@ -971,7 +971,7 @@
           <a:p>
             <a:fld id="{EC17BCC6-A1D7-4A8D-B15F-19B662AE7190}" type="datetimeFigureOut">
               <a:rPr lang="ru-RU" smtClean="0"/>
-              <a:t>08.01.2022</a:t>
+              <a:t>11.01.2022</a:t>
             </a:fld>
             <a:endParaRPr lang="ru-RU"/>
           </a:p>
@@ -1352,7 +1352,7 @@
           <a:p>
             <a:fld id="{EC17BCC6-A1D7-4A8D-B15F-19B662AE7190}" type="datetimeFigureOut">
               <a:rPr lang="ru-RU" smtClean="0"/>
-              <a:t>08.01.2022</a:t>
+              <a:t>11.01.2022</a:t>
             </a:fld>
             <a:endParaRPr lang="ru-RU"/>
           </a:p>
@@ -1621,7 +1621,7 @@
           <a:p>
             <a:fld id="{EC17BCC6-A1D7-4A8D-B15F-19B662AE7190}" type="datetimeFigureOut">
               <a:rPr lang="ru-RU" smtClean="0"/>
-              <a:t>08.01.2022</a:t>
+              <a:t>11.01.2022</a:t>
             </a:fld>
             <a:endParaRPr lang="ru-RU"/>
           </a:p>
@@ -2006,7 +2006,7 @@
           <a:p>
             <a:fld id="{EC17BCC6-A1D7-4A8D-B15F-19B662AE7190}" type="datetimeFigureOut">
               <a:rPr lang="ru-RU" smtClean="0"/>
-              <a:t>08.01.2022</a:t>
+              <a:t>11.01.2022</a:t>
             </a:fld>
             <a:endParaRPr lang="ru-RU"/>
           </a:p>
@@ -2127,7 +2127,7 @@
           <a:p>
             <a:fld id="{EC17BCC6-A1D7-4A8D-B15F-19B662AE7190}" type="datetimeFigureOut">
               <a:rPr lang="ru-RU" smtClean="0"/>
-              <a:t>08.01.2022</a:t>
+              <a:t>11.01.2022</a:t>
             </a:fld>
             <a:endParaRPr lang="ru-RU"/>
           </a:p>
@@ -2307,7 +2307,7 @@
           <a:p>
             <a:fld id="{EC17BCC6-A1D7-4A8D-B15F-19B662AE7190}" type="datetimeFigureOut">
               <a:rPr lang="ru-RU" smtClean="0"/>
-              <a:t>08.01.2022</a:t>
+              <a:t>11.01.2022</a:t>
             </a:fld>
             <a:endParaRPr lang="ru-RU"/>
           </a:p>
@@ -2641,7 +2641,7 @@
           <a:p>
             <a:fld id="{EC17BCC6-A1D7-4A8D-B15F-19B662AE7190}" type="datetimeFigureOut">
               <a:rPr lang="ru-RU" smtClean="0"/>
-              <a:t>08.01.2022</a:t>
+              <a:t>11.01.2022</a:t>
             </a:fld>
             <a:endParaRPr lang="ru-RU"/>
           </a:p>
@@ -3010,7 +3010,7 @@
           <a:p>
             <a:fld id="{EC17BCC6-A1D7-4A8D-B15F-19B662AE7190}" type="datetimeFigureOut">
               <a:rPr lang="ru-RU" smtClean="0"/>
-              <a:t>08.01.2022</a:t>
+              <a:t>11.01.2022</a:t>
             </a:fld>
             <a:endParaRPr lang="ru-RU"/>
           </a:p>
@@ -3428,7 +3428,7 @@
           <a:p>
             <a:fld id="{EC17BCC6-A1D7-4A8D-B15F-19B662AE7190}" type="datetimeFigureOut">
               <a:rPr lang="ru-RU" smtClean="0"/>
-              <a:t>08.01.2022</a:t>
+              <a:t>11.01.2022</a:t>
             </a:fld>
             <a:endParaRPr lang="ru-RU"/>
           </a:p>
@@ -4044,8 +4044,13 @@
           <a:p>
             <a:r>
               <a:rPr lang="ru-RU" dirty="0" smtClean="0"/>
-              <a:t>Развить быстроту реакцию.</a:t>
-            </a:r>
+              <a:t>Развить быстроту </a:t>
+            </a:r>
+            <a:r>
+              <a:rPr lang="ru-RU" dirty="0" smtClean="0"/>
+              <a:t>реакции.</a:t>
+            </a:r>
+            <a:endParaRPr lang="ru-RU" dirty="0" smtClean="0"/>
           </a:p>
           <a:p>
             <a:r>
@@ -4285,7 +4290,7 @@
           <a:p>
             <a:r>
               <a:rPr lang="ru-RU" dirty="0" smtClean="0"/>
-              <a:t>Заключение</a:t>
+              <a:t>Результат</a:t>
             </a:r>
             <a:endParaRPr lang="ru-RU" dirty="0"/>
           </a:p>
@@ -4311,6 +4316,28 @@
           <a:bodyPr/>
           <a:lstStyle/>
           <a:p>
+            <a:r>
+              <a:rPr lang="ru-RU" dirty="0" smtClean="0"/>
+              <a:t>Мы сделали всё, что планировали.</a:t>
+            </a:r>
+          </a:p>
+          <a:p>
+            <a:r>
+              <a:rPr lang="ru-RU" dirty="0" smtClean="0"/>
+              <a:t>Были сложности в анимации спрайтов, поиске бесплатных спрайтов, картинок в интернете.</a:t>
+            </a:r>
+          </a:p>
+          <a:p>
+            <a:r>
+              <a:rPr lang="ru-RU" dirty="0" smtClean="0"/>
+              <a:t>Больше 1000 строк кода.</a:t>
+            </a:r>
+          </a:p>
+          <a:p>
+            <a:r>
+              <a:rPr lang="ru-RU" dirty="0" smtClean="0"/>
+              <a:t>Научились работать в команде.</a:t>
+            </a:r>
             <a:endParaRPr lang="ru-RU" dirty="0"/>
           </a:p>
         </p:txBody>
